--- a/abstract/Inversion.pptx
+++ b/abstract/Inversion.pptx
@@ -243,7 +243,7 @@
           <a:p>
             <a:fld id="{94510E1C-68E9-4BE4-82D9-1962D95C2236}" type="datetimeFigureOut">
               <a:rPr kumimoji="1" lang="ja-JP" altLang="en-US" smtClean="0"/>
-              <a:t>2020/2/7</a:t>
+              <a:t>2020/2/8</a:t>
             </a:fld>
             <a:endParaRPr kumimoji="1" lang="ja-JP" altLang="en-US"/>
           </a:p>
@@ -445,7 +445,7 @@
           <a:p>
             <a:fld id="{94510E1C-68E9-4BE4-82D9-1962D95C2236}" type="datetimeFigureOut">
               <a:rPr kumimoji="1" lang="ja-JP" altLang="en-US" smtClean="0"/>
-              <a:t>2020/2/7</a:t>
+              <a:t>2020/2/8</a:t>
             </a:fld>
             <a:endParaRPr kumimoji="1" lang="ja-JP" altLang="en-US"/>
           </a:p>
@@ -657,7 +657,7 @@
           <a:p>
             <a:fld id="{94510E1C-68E9-4BE4-82D9-1962D95C2236}" type="datetimeFigureOut">
               <a:rPr kumimoji="1" lang="ja-JP" altLang="en-US" smtClean="0"/>
-              <a:t>2020/2/7</a:t>
+              <a:t>2020/2/8</a:t>
             </a:fld>
             <a:endParaRPr kumimoji="1" lang="ja-JP" altLang="en-US"/>
           </a:p>
@@ -859,7 +859,7 @@
           <a:p>
             <a:fld id="{94510E1C-68E9-4BE4-82D9-1962D95C2236}" type="datetimeFigureOut">
               <a:rPr kumimoji="1" lang="ja-JP" altLang="en-US" smtClean="0"/>
-              <a:t>2020/2/7</a:t>
+              <a:t>2020/2/8</a:t>
             </a:fld>
             <a:endParaRPr kumimoji="1" lang="ja-JP" altLang="en-US"/>
           </a:p>
@@ -1105,7 +1105,7 @@
           <a:p>
             <a:fld id="{94510E1C-68E9-4BE4-82D9-1962D95C2236}" type="datetimeFigureOut">
               <a:rPr kumimoji="1" lang="ja-JP" altLang="en-US" smtClean="0"/>
-              <a:t>2020/2/7</a:t>
+              <a:t>2020/2/8</a:t>
             </a:fld>
             <a:endParaRPr kumimoji="1" lang="ja-JP" altLang="en-US"/>
           </a:p>
@@ -1401,7 +1401,7 @@
           <a:p>
             <a:fld id="{94510E1C-68E9-4BE4-82D9-1962D95C2236}" type="datetimeFigureOut">
               <a:rPr kumimoji="1" lang="ja-JP" altLang="en-US" smtClean="0"/>
-              <a:t>2020/2/7</a:t>
+              <a:t>2020/2/8</a:t>
             </a:fld>
             <a:endParaRPr kumimoji="1" lang="ja-JP" altLang="en-US"/>
           </a:p>
@@ -1832,7 +1832,7 @@
           <a:p>
             <a:fld id="{94510E1C-68E9-4BE4-82D9-1962D95C2236}" type="datetimeFigureOut">
               <a:rPr kumimoji="1" lang="ja-JP" altLang="en-US" smtClean="0"/>
-              <a:t>2020/2/7</a:t>
+              <a:t>2020/2/8</a:t>
             </a:fld>
             <a:endParaRPr kumimoji="1" lang="ja-JP" altLang="en-US"/>
           </a:p>
@@ -1950,7 +1950,7 @@
           <a:p>
             <a:fld id="{94510E1C-68E9-4BE4-82D9-1962D95C2236}" type="datetimeFigureOut">
               <a:rPr kumimoji="1" lang="ja-JP" altLang="en-US" smtClean="0"/>
-              <a:t>2020/2/7</a:t>
+              <a:t>2020/2/8</a:t>
             </a:fld>
             <a:endParaRPr kumimoji="1" lang="ja-JP" altLang="en-US"/>
           </a:p>
@@ -2045,7 +2045,7 @@
           <a:p>
             <a:fld id="{94510E1C-68E9-4BE4-82D9-1962D95C2236}" type="datetimeFigureOut">
               <a:rPr kumimoji="1" lang="ja-JP" altLang="en-US" smtClean="0"/>
-              <a:t>2020/2/7</a:t>
+              <a:t>2020/2/8</a:t>
             </a:fld>
             <a:endParaRPr kumimoji="1" lang="ja-JP" altLang="en-US"/>
           </a:p>
@@ -2354,7 +2354,7 @@
           <a:p>
             <a:fld id="{94510E1C-68E9-4BE4-82D9-1962D95C2236}" type="datetimeFigureOut">
               <a:rPr kumimoji="1" lang="ja-JP" altLang="en-US" smtClean="0"/>
-              <a:t>2020/2/7</a:t>
+              <a:t>2020/2/8</a:t>
             </a:fld>
             <a:endParaRPr kumimoji="1" lang="ja-JP" altLang="en-US"/>
           </a:p>
@@ -2607,7 +2607,7 @@
           <a:p>
             <a:fld id="{94510E1C-68E9-4BE4-82D9-1962D95C2236}" type="datetimeFigureOut">
               <a:rPr kumimoji="1" lang="ja-JP" altLang="en-US" smtClean="0"/>
-              <a:t>2020/2/7</a:t>
+              <a:t>2020/2/8</a:t>
             </a:fld>
             <a:endParaRPr kumimoji="1" lang="ja-JP" altLang="en-US"/>
           </a:p>
@@ -2852,7 +2852,7 @@
           <a:p>
             <a:fld id="{94510E1C-68E9-4BE4-82D9-1962D95C2236}" type="datetimeFigureOut">
               <a:rPr kumimoji="1" lang="ja-JP" altLang="en-US" smtClean="0"/>
-              <a:t>2020/2/7</a:t>
+              <a:t>2020/2/8</a:t>
             </a:fld>
             <a:endParaRPr kumimoji="1" lang="ja-JP" altLang="en-US"/>
           </a:p>
@@ -3265,10 +3265,10 @@
         </p:nvGrpSpPr>
         <p:grpSpPr>
           <a:xfrm>
-            <a:off x="5775128" y="2989625"/>
-            <a:ext cx="2462212" cy="583071"/>
-            <a:chOff x="5775128" y="2989625"/>
-            <a:chExt cx="2462212" cy="583071"/>
+            <a:off x="5775128" y="3088055"/>
+            <a:ext cx="2462212" cy="484641"/>
+            <a:chOff x="5775128" y="3088055"/>
+            <a:chExt cx="2462212" cy="484641"/>
           </a:xfrm>
         </p:grpSpPr>
         <p:sp>
@@ -3279,8 +3279,8 @@
           </p:nvSpPr>
           <p:spPr>
             <a:xfrm>
-              <a:off x="6556175" y="2989625"/>
-              <a:ext cx="895549" cy="476319"/>
+              <a:off x="6556175" y="3088055"/>
+              <a:ext cx="895549" cy="291529"/>
             </a:xfrm>
             <a:prstGeom prst="arc">
               <a:avLst>
@@ -3415,7 +3415,7 @@
                     <a:t>p</a:t>
                   </a:r>
                   <a:r>
-                    <a:rPr kumimoji="1" lang="en-US" altLang="ja-JP" sz="850" i="1" baseline="-25000" dirty="0" err="1" smtClean="0">
+                    <a:rPr kumimoji="1" lang="en-US" altLang="ja-JP" sz="850" baseline="-25000" dirty="0" err="1" smtClean="0">
                       <a:latin typeface="Times" panose="02020603050405020304" pitchFamily="18" charset="0"/>
                       <a:cs typeface="Times" panose="02020603050405020304" pitchFamily="18" charset="0"/>
                     </a:rPr>
@@ -3509,13 +3509,13 @@
                     <a:t>p</a:t>
                   </a:r>
                   <a:r>
-                    <a:rPr kumimoji="1" lang="en-US" altLang="ja-JP" sz="850" i="1" baseline="-25000" dirty="0" err="1" smtClean="0">
+                    <a:rPr kumimoji="1" lang="en-US" altLang="ja-JP" sz="850" baseline="-25000" dirty="0" err="1" smtClean="0">
                       <a:latin typeface="Times" panose="02020603050405020304" pitchFamily="18" charset="0"/>
                       <a:cs typeface="Times" panose="02020603050405020304" pitchFamily="18" charset="0"/>
                     </a:rPr>
                     <a:t>max</a:t>
                   </a:r>
-                  <a:endParaRPr kumimoji="1" lang="ja-JP" altLang="en-US" sz="850" i="1" baseline="-25000" dirty="0">
+                  <a:endParaRPr kumimoji="1" lang="ja-JP" altLang="en-US" sz="850" baseline="-25000" dirty="0">
                     <a:latin typeface="Times" panose="02020603050405020304" pitchFamily="18" charset="0"/>
                     <a:cs typeface="Times" panose="02020603050405020304" pitchFamily="18" charset="0"/>
                   </a:endParaRPr>
